--- a/Acil Yardımcım.pptx
+++ b/Acil Yardımcım.pptx
@@ -14,7 +14,8 @@
     <p:sldId id="261" r:id="rId9"/>
     <p:sldId id="262" r:id="rId10"/>
     <p:sldId id="263" r:id="rId11"/>
-    <p:sldId id="264" r:id="rId12"/>
+    <p:sldId id="274" r:id="rId12"/>
+    <p:sldId id="264" r:id="rId13"/>
   </p:sldIdLst>
   <p:sldSz cx="12192000" cy="6858000"/>
   <p:notesSz cx="6858000" cy="9144000"/>
@@ -3117,6 +3118,94 @@
         <p:nvPr/>
       </p:nvGrpSpPr>
       <p:grpSpPr/>
+      <p:sp>
+        <p:nvSpPr>
+          <p:cNvPr id="3" name="Title 2"/>
+          <p:cNvSpPr>
+            <a:spLocks noGrp="1"/>
+          </p:cNvSpPr>
+          <p:nvPr>
+            <p:ph type="title"/>
+          </p:nvPr>
+        </p:nvSpPr>
+        <p:spPr/>
+        <p:txBody>
+          <a:bodyPr/>
+          <a:p>
+            <a:endParaRPr lang="en-US"/>
+          </a:p>
+        </p:txBody>
+      </p:sp>
+      <p:pic>
+        <p:nvPicPr>
+          <p:cNvPr id="4" name="Content Placeholder 3" descr="pngtree-simple-red-shading-background-illustration-design-backgroundscience-and-technologyred-image_70514"/>
+          <p:cNvPicPr>
+            <a:picLocks noChangeAspect="1"/>
+          </p:cNvPicPr>
+          <p:nvPr>
+            <p:ph sz="half" idx="1"/>
+          </p:nvPr>
+        </p:nvPicPr>
+        <p:blipFill>
+          <a:blip r:embed="rId1"/>
+          <a:stretch>
+            <a:fillRect/>
+          </a:stretch>
+        </p:blipFill>
+        <p:spPr>
+          <a:xfrm>
+            <a:off x="0" y="0"/>
+            <a:ext cx="12192635" cy="6858635"/>
+          </a:xfrm>
+          <a:prstGeom prst="rect">
+            <a:avLst/>
+          </a:prstGeom>
+        </p:spPr>
+      </p:pic>
+      <p:pic>
+        <p:nvPicPr>
+          <p:cNvPr id="2" name="Content Placeholder 1" descr="WhatsApp Image 2022-03-27 at 12.02.54"/>
+          <p:cNvPicPr>
+            <a:picLocks noChangeAspect="1"/>
+          </p:cNvPicPr>
+          <p:nvPr>
+            <p:ph sz="half" idx="2"/>
+          </p:nvPr>
+        </p:nvPicPr>
+        <p:blipFill>
+          <a:blip r:embed="rId2"/>
+          <a:stretch>
+            <a:fillRect/>
+          </a:stretch>
+        </p:blipFill>
+        <p:spPr>
+          <a:xfrm>
+            <a:off x="2092960" y="1351915"/>
+            <a:ext cx="7802880" cy="4154170"/>
+          </a:xfrm>
+          <a:prstGeom prst="rect">
+            <a:avLst/>
+          </a:prstGeom>
+        </p:spPr>
+      </p:pic>
+    </p:spTree>
+  </p:cSld>
+  <p:clrMapOvr>
+    <a:masterClrMapping/>
+  </p:clrMapOvr>
+</p:sld>
+</file>
+
+<file path=ppt/slides/slide11.xml><?xml version="1.0" encoding="utf-8"?>
+<p:sld xmlns:a="http://schemas.openxmlformats.org/drawingml/2006/main" xmlns:r="http://schemas.openxmlformats.org/officeDocument/2006/relationships" xmlns:p="http://schemas.openxmlformats.org/presentationml/2006/main">
+  <p:cSld>
+    <p:spTree>
+      <p:nvGrpSpPr>
+        <p:cNvPr id="1" name=""/>
+        <p:cNvGrpSpPr/>
+        <p:nvPr/>
+      </p:nvGrpSpPr>
+      <p:grpSpPr/>
       <p:pic>
         <p:nvPicPr>
           <p:cNvPr id="4" name="Content Placeholder 3" descr="pngtree-simple-red-shading-background-illustration-design-backgroundscience-and-technologyred-image_70514"/>
@@ -5042,13 +5131,11 @@
       </p:pic>
       <p:pic>
         <p:nvPicPr>
-          <p:cNvPr id="2" name="Content Placeholder 1" descr="WhatsApp Image 2022-03-27 at 12.02.54"/>
+          <p:cNvPr id="6" name="Picture 5" descr="e78cf677-7912-43f7-861f-ebe7afa38396"/>
           <p:cNvPicPr>
             <a:picLocks noChangeAspect="1"/>
           </p:cNvPicPr>
-          <p:nvPr>
-            <p:ph sz="half" idx="2"/>
-          </p:nvPr>
+          <p:nvPr/>
         </p:nvPicPr>
         <p:blipFill>
           <a:blip r:embed="rId2"/>
@@ -5058,8 +5145,8 @@
         </p:blipFill>
         <p:spPr>
           <a:xfrm>
-            <a:off x="2092960" y="1351915"/>
-            <a:ext cx="7802880" cy="4154170"/>
+            <a:off x="574675" y="2854325"/>
+            <a:ext cx="11007725" cy="917575"/>
           </a:xfrm>
           <a:prstGeom prst="rect">
             <a:avLst/>
